--- a/1911330 이민정 기획서.pptx
+++ b/1911330 이민정 기획서.pptx
@@ -265,7 +265,7 @@
           <a:p>
             <a:fld id="{B9D10EB1-DB54-4DC4-846C-AD7A2122F45A}" type="datetimeFigureOut">
               <a:rPr lang="ko-KR" altLang="en-US" smtClean="0"/>
-              <a:t>2021-04-25</a:t>
+              <a:t>2021-04-26</a:t>
             </a:fld>
             <a:endParaRPr lang="ko-KR" altLang="en-US"/>
           </a:p>
@@ -463,7 +463,7 @@
           <a:p>
             <a:fld id="{B9D10EB1-DB54-4DC4-846C-AD7A2122F45A}" type="datetimeFigureOut">
               <a:rPr lang="ko-KR" altLang="en-US" smtClean="0"/>
-              <a:t>2021-04-25</a:t>
+              <a:t>2021-04-26</a:t>
             </a:fld>
             <a:endParaRPr lang="ko-KR" altLang="en-US"/>
           </a:p>
@@ -671,7 +671,7 @@
           <a:p>
             <a:fld id="{B9D10EB1-DB54-4DC4-846C-AD7A2122F45A}" type="datetimeFigureOut">
               <a:rPr lang="ko-KR" altLang="en-US" smtClean="0"/>
-              <a:t>2021-04-25</a:t>
+              <a:t>2021-04-26</a:t>
             </a:fld>
             <a:endParaRPr lang="ko-KR" altLang="en-US"/>
           </a:p>
@@ -869,7 +869,7 @@
           <a:p>
             <a:fld id="{B9D10EB1-DB54-4DC4-846C-AD7A2122F45A}" type="datetimeFigureOut">
               <a:rPr lang="ko-KR" altLang="en-US" smtClean="0"/>
-              <a:t>2021-04-25</a:t>
+              <a:t>2021-04-26</a:t>
             </a:fld>
             <a:endParaRPr lang="ko-KR" altLang="en-US"/>
           </a:p>
@@ -1144,7 +1144,7 @@
           <a:p>
             <a:fld id="{B9D10EB1-DB54-4DC4-846C-AD7A2122F45A}" type="datetimeFigureOut">
               <a:rPr lang="ko-KR" altLang="en-US" smtClean="0"/>
-              <a:t>2021-04-25</a:t>
+              <a:t>2021-04-26</a:t>
             </a:fld>
             <a:endParaRPr lang="ko-KR" altLang="en-US"/>
           </a:p>
@@ -1409,7 +1409,7 @@
           <a:p>
             <a:fld id="{B9D10EB1-DB54-4DC4-846C-AD7A2122F45A}" type="datetimeFigureOut">
               <a:rPr lang="ko-KR" altLang="en-US" smtClean="0"/>
-              <a:t>2021-04-25</a:t>
+              <a:t>2021-04-26</a:t>
             </a:fld>
             <a:endParaRPr lang="ko-KR" altLang="en-US"/>
           </a:p>
@@ -1821,7 +1821,7 @@
           <a:p>
             <a:fld id="{B9D10EB1-DB54-4DC4-846C-AD7A2122F45A}" type="datetimeFigureOut">
               <a:rPr lang="ko-KR" altLang="en-US" smtClean="0"/>
-              <a:t>2021-04-25</a:t>
+              <a:t>2021-04-26</a:t>
             </a:fld>
             <a:endParaRPr lang="ko-KR" altLang="en-US"/>
           </a:p>
@@ -1962,7 +1962,7 @@
           <a:p>
             <a:fld id="{B9D10EB1-DB54-4DC4-846C-AD7A2122F45A}" type="datetimeFigureOut">
               <a:rPr lang="ko-KR" altLang="en-US" smtClean="0"/>
-              <a:t>2021-04-25</a:t>
+              <a:t>2021-04-26</a:t>
             </a:fld>
             <a:endParaRPr lang="ko-KR" altLang="en-US"/>
           </a:p>
@@ -2075,7 +2075,7 @@
           <a:p>
             <a:fld id="{B9D10EB1-DB54-4DC4-846C-AD7A2122F45A}" type="datetimeFigureOut">
               <a:rPr lang="ko-KR" altLang="en-US" smtClean="0"/>
-              <a:t>2021-04-25</a:t>
+              <a:t>2021-04-26</a:t>
             </a:fld>
             <a:endParaRPr lang="ko-KR" altLang="en-US"/>
           </a:p>
@@ -2386,7 +2386,7 @@
           <a:p>
             <a:fld id="{B9D10EB1-DB54-4DC4-846C-AD7A2122F45A}" type="datetimeFigureOut">
               <a:rPr lang="ko-KR" altLang="en-US" smtClean="0"/>
-              <a:t>2021-04-25</a:t>
+              <a:t>2021-04-26</a:t>
             </a:fld>
             <a:endParaRPr lang="ko-KR" altLang="en-US"/>
           </a:p>
@@ -2674,7 +2674,7 @@
           <a:p>
             <a:fld id="{B9D10EB1-DB54-4DC4-846C-AD7A2122F45A}" type="datetimeFigureOut">
               <a:rPr lang="ko-KR" altLang="en-US" smtClean="0"/>
-              <a:t>2021-04-25</a:t>
+              <a:t>2021-04-26</a:t>
             </a:fld>
             <a:endParaRPr lang="ko-KR" altLang="en-US"/>
           </a:p>
@@ -2921,7 +2921,7 @@
           <a:p>
             <a:fld id="{B9D10EB1-DB54-4DC4-846C-AD7A2122F45A}" type="datetimeFigureOut">
               <a:rPr lang="ko-KR" altLang="en-US" smtClean="0"/>
-              <a:t>2021-04-25</a:t>
+              <a:t>2021-04-26</a:t>
             </a:fld>
             <a:endParaRPr lang="ko-KR" altLang="en-US"/>
           </a:p>
@@ -3627,7 +3627,7 @@
         <p:spPr>
           <a:xfrm>
             <a:off x="565753" y="1825966"/>
-            <a:ext cx="5055402" cy="2585323"/>
+            <a:ext cx="5055402" cy="2862322"/>
           </a:xfrm>
           <a:prstGeom prst="rect">
             <a:avLst/>
@@ -3656,7 +3656,7 @@
                 <a:latin typeface="굴림체" panose="020B0609000101010101" pitchFamily="49" charset="-127"/>
                 <a:ea typeface="굴림체" panose="020B0609000101010101" pitchFamily="49" charset="-127"/>
               </a:rPr>
-              <a:t>먼저 프로필이라는 메뉴를 통해 나의 간단한 신상정보를 소개하고자 한다</a:t>
+              <a:t>먼저 자기소개 웹사이트인 만큼 프로필이라는 메뉴를 통해 나의 간단한 신상정보를 소개하고자 한다</a:t>
             </a:r>
             <a:r>
               <a:rPr lang="en-US" altLang="ko-KR" b="1" dirty="0">
@@ -4119,6 +4119,14 @@
 <file path=ppt/slides/slide3.xml><?xml version="1.0" encoding="utf-8"?>
 <p:sld xmlns:a="http://schemas.openxmlformats.org/drawingml/2006/main" xmlns:r="http://schemas.openxmlformats.org/officeDocument/2006/relationships" xmlns:p="http://schemas.openxmlformats.org/presentationml/2006/main">
   <p:cSld>
+    <p:bg>
+      <p:bgPr>
+        <a:solidFill>
+          <a:schemeClr val="bg1"/>
+        </a:solidFill>
+        <a:effectLst/>
+      </p:bgPr>
+    </p:bg>
     <p:spTree>
       <p:nvGrpSpPr>
         <p:cNvPr id="1" name=""/>
@@ -4278,7 +4286,7 @@
         <p:spPr>
           <a:xfrm>
             <a:off x="7345680" y="1659652"/>
-            <a:ext cx="2926080" cy="2031325"/>
+            <a:ext cx="4069882" cy="2031325"/>
           </a:xfrm>
           <a:prstGeom prst="rect">
             <a:avLst/>
@@ -4307,6 +4315,14 @@
             <a:r>
               <a:rPr lang="ko-KR" altLang="en-US" dirty="0"/>
               <a:t>해당 메뉴를 클릭하면 링크를 연결해 놓아 해당 메뉴의 내용을 확인할 수 있는 페이지로 넘어갈 수 있게 한다</a:t>
+            </a:r>
+            <a:r>
+              <a:rPr lang="en-US" altLang="ko-KR" dirty="0"/>
+              <a:t>. </a:t>
+            </a:r>
+            <a:r>
+              <a:rPr lang="ko-KR" altLang="en-US" dirty="0"/>
+              <a:t>이는 화면에 계속 보이도록 하여 다른 화면에 넘어가서도 남아있도록 한다</a:t>
             </a:r>
             <a:r>
               <a:rPr lang="en-US" altLang="ko-KR" dirty="0"/>
@@ -4850,6 +4866,14 @@
 <file path=ppt/slides/slide4.xml><?xml version="1.0" encoding="utf-8"?>
 <p:sld xmlns:a="http://schemas.openxmlformats.org/drawingml/2006/main" xmlns:r="http://schemas.openxmlformats.org/officeDocument/2006/relationships" xmlns:p="http://schemas.openxmlformats.org/presentationml/2006/main">
   <p:cSld>
+    <p:bg>
+      <p:bgPr>
+        <a:solidFill>
+          <a:schemeClr val="bg1"/>
+        </a:solidFill>
+        <a:effectLst/>
+      </p:bgPr>
+    </p:bg>
     <p:spTree>
       <p:nvGrpSpPr>
         <p:cNvPr id="1" name=""/>
@@ -5205,7 +5229,7 @@
         </p:nvSpPr>
         <p:spPr>
           <a:xfrm>
-            <a:off x="336884" y="6113341"/>
+            <a:off x="912950" y="6044522"/>
             <a:ext cx="2849078" cy="523220"/>
           </a:xfrm>
           <a:prstGeom prst="rect">
@@ -5461,6 +5485,14 @@
 <file path=ppt/slides/slide5.xml><?xml version="1.0" encoding="utf-8"?>
 <p:sld xmlns:a="http://schemas.openxmlformats.org/drawingml/2006/main" xmlns:r="http://schemas.openxmlformats.org/officeDocument/2006/relationships" xmlns:p="http://schemas.openxmlformats.org/presentationml/2006/main">
   <p:cSld>
+    <p:bg>
+      <p:bgPr>
+        <a:solidFill>
+          <a:schemeClr val="bg1"/>
+        </a:solidFill>
+        <a:effectLst/>
+      </p:bgPr>
+    </p:bg>
     <p:spTree>
       <p:nvGrpSpPr>
         <p:cNvPr id="1" name=""/>
@@ -5972,6 +6004,14 @@
 <file path=ppt/slides/slide6.xml><?xml version="1.0" encoding="utf-8"?>
 <p:sld xmlns:a="http://schemas.openxmlformats.org/drawingml/2006/main" xmlns:r="http://schemas.openxmlformats.org/officeDocument/2006/relationships" xmlns:p="http://schemas.openxmlformats.org/presentationml/2006/main">
   <p:cSld>
+    <p:bg>
+      <p:bgPr>
+        <a:solidFill>
+          <a:schemeClr val="bg1"/>
+        </a:solidFill>
+        <a:effectLst/>
+      </p:bgPr>
+    </p:bg>
     <p:spTree>
       <p:nvGrpSpPr>
         <p:cNvPr id="1" name=""/>
@@ -6275,7 +6315,7 @@
         </p:nvSpPr>
         <p:spPr>
           <a:xfrm>
-            <a:off x="336884" y="6113341"/>
+            <a:off x="636036" y="6149598"/>
             <a:ext cx="2849078" cy="523220"/>
           </a:xfrm>
           <a:prstGeom prst="rect">
@@ -6490,6 +6530,14 @@
 <file path=ppt/slides/slide7.xml><?xml version="1.0" encoding="utf-8"?>
 <p:sld xmlns:a="http://schemas.openxmlformats.org/drawingml/2006/main" xmlns:r="http://schemas.openxmlformats.org/officeDocument/2006/relationships" xmlns:p="http://schemas.openxmlformats.org/presentationml/2006/main">
   <p:cSld>
+    <p:bg>
+      <p:bgPr>
+        <a:solidFill>
+          <a:schemeClr val="bg1"/>
+        </a:solidFill>
+        <a:effectLst/>
+      </p:bgPr>
+    </p:bg>
     <p:spTree>
       <p:nvGrpSpPr>
         <p:cNvPr id="1" name=""/>
@@ -6506,10 +6554,10 @@
       </p:grpSpPr>
       <p:pic>
         <p:nvPicPr>
-          <p:cNvPr id="3" name="그림 2" descr="텍스트이(가) 표시된 사진&#10;&#10;자동 생성된 설명">
-            <a:extLst>
-              <a:ext uri="{FF2B5EF4-FFF2-40B4-BE49-F238E27FC236}">
-                <a16:creationId xmlns:a16="http://schemas.microsoft.com/office/drawing/2014/main" id="{BB1D0832-ADD1-42A0-AF69-3996A45920B9}"/>
+          <p:cNvPr id="11" name="그림 10">
+            <a:extLst>
+              <a:ext uri="{FF2B5EF4-FFF2-40B4-BE49-F238E27FC236}">
+                <a16:creationId xmlns:a16="http://schemas.microsoft.com/office/drawing/2014/main" id="{7C595B0D-8FE0-4243-94C5-9A68F89F2401}"/>
               </a:ext>
             </a:extLst>
           </p:cNvPr>
@@ -6532,8 +6580,8 @@
         </p:blipFill>
         <p:spPr>
           <a:xfrm>
-            <a:off x="869048" y="552450"/>
-            <a:ext cx="6521450" cy="5753100"/>
+            <a:off x="655822" y="586105"/>
+            <a:ext cx="6140450" cy="5979336"/>
           </a:xfrm>
           <a:prstGeom prst="rect">
             <a:avLst/>
@@ -6663,7 +6711,7 @@
         </p:nvSpPr>
         <p:spPr>
           <a:xfrm>
-            <a:off x="6967087" y="4416831"/>
+            <a:off x="7241407" y="5097839"/>
             <a:ext cx="3241040" cy="923330"/>
           </a:xfrm>
           <a:prstGeom prst="rect">
@@ -6716,7 +6764,7 @@
         </p:nvSpPr>
         <p:spPr>
           <a:xfrm>
-            <a:off x="336884" y="6113341"/>
+            <a:off x="577515" y="6271895"/>
             <a:ext cx="2849078" cy="523220"/>
           </a:xfrm>
           <a:prstGeom prst="rect">
@@ -6814,9 +6862,9 @@
           <p:nvPr/>
         </p:nvCxnSpPr>
         <p:spPr>
-          <a:xfrm flipV="1">
-            <a:off x="5945973" y="5019268"/>
-            <a:ext cx="1021114" cy="15246"/>
+          <a:xfrm>
+            <a:off x="5853465" y="5585138"/>
+            <a:ext cx="1644615" cy="0"/>
           </a:xfrm>
           <a:prstGeom prst="straightConnector1">
             <a:avLst/>
